--- a/learingMaterial/SPA/React/basics/react.pptx
+++ b/learingMaterial/SPA/React/basics/react.pptx
@@ -17,23 +17,24 @@
     <p:sldId id="267" r:id="rId11"/>
     <p:sldId id="263" r:id="rId12"/>
     <p:sldId id="264" r:id="rId13"/>
+    <p:sldId id="268" r:id="rId14"/>
   </p:sldIdLst>
   <p:sldSz cx="12192000" cy="6858000"/>
   <p:notesSz cx="6858000" cy="9144000"/>
   <p:embeddedFontLst>
     <p:embeddedFont>
       <p:font typeface="Bookman Old Style" panose="02050604050505020204" pitchFamily="18" charset="0"/>
-      <p:regular r:id="rId14"/>
-      <p:bold r:id="rId15"/>
-      <p:italic r:id="rId16"/>
-      <p:boldItalic r:id="rId17"/>
+      <p:regular r:id="rId15"/>
+      <p:bold r:id="rId16"/>
+      <p:italic r:id="rId17"/>
+      <p:boldItalic r:id="rId18"/>
     </p:embeddedFont>
     <p:embeddedFont>
       <p:font typeface="Rockwell" panose="02060603020205020403" pitchFamily="18" charset="0"/>
-      <p:regular r:id="rId18"/>
-      <p:bold r:id="rId19"/>
-      <p:italic r:id="rId20"/>
-      <p:boldItalic r:id="rId21"/>
+      <p:regular r:id="rId19"/>
+      <p:bold r:id="rId20"/>
+      <p:italic r:id="rId21"/>
+      <p:boldItalic r:id="rId22"/>
     </p:embeddedFont>
   </p:embeddedFontLst>
   <p:defaultTextStyle>
@@ -131,6 +132,11 @@
       </a:defRPr>
     </a:lvl9pPr>
   </p:defaultTextStyle>
+  <p:extLst>
+    <p:ext uri="{EFAFB233-063F-42B5-8137-9DF3F51BA10A}">
+      <p15:sldGuideLst xmlns:p15="http://schemas.microsoft.com/office/powerpoint/2012/main"/>
+    </p:ext>
+  </p:extLst>
 </p:presentation>
 </file>
 
@@ -267,7 +273,7 @@
           <a:p>
             <a:fld id="{165B7021-42A5-46F1-9A14-1EDB131AF606}" type="datetimeFigureOut">
               <a:rPr lang="he-IL" smtClean="0"/>
-              <a:t>י"ז/שבט/תשע"ט</a:t>
+              <a:t>כ"ד/שבט/תשע"ט</a:t>
             </a:fld>
             <a:endParaRPr lang="he-IL"/>
           </a:p>
@@ -554,7 +560,7 @@
           <a:p>
             <a:fld id="{165B7021-42A5-46F1-9A14-1EDB131AF606}" type="datetimeFigureOut">
               <a:rPr lang="he-IL" smtClean="0"/>
-              <a:t>י"ז/שבט/תשע"ט</a:t>
+              <a:t>כ"ד/שבט/תשע"ט</a:t>
             </a:fld>
             <a:endParaRPr lang="he-IL"/>
           </a:p>
@@ -746,7 +752,7 @@
           <a:p>
             <a:fld id="{165B7021-42A5-46F1-9A14-1EDB131AF606}" type="datetimeFigureOut">
               <a:rPr lang="he-IL" smtClean="0"/>
-              <a:t>י"ז/שבט/תשע"ט</a:t>
+              <a:t>כ"ד/שבט/תשע"ט</a:t>
             </a:fld>
             <a:endParaRPr lang="he-IL"/>
           </a:p>
@@ -1007,7 +1013,7 @@
           <a:p>
             <a:fld id="{165B7021-42A5-46F1-9A14-1EDB131AF606}" type="datetimeFigureOut">
               <a:rPr lang="he-IL" smtClean="0"/>
-              <a:t>י"ז/שבט/תשע"ט</a:t>
+              <a:t>כ"ד/שבט/תשע"ט</a:t>
             </a:fld>
             <a:endParaRPr lang="he-IL"/>
           </a:p>
@@ -1431,7 +1437,7 @@
           <a:p>
             <a:fld id="{165B7021-42A5-46F1-9A14-1EDB131AF606}" type="datetimeFigureOut">
               <a:rPr lang="he-IL" smtClean="0"/>
-              <a:t>י"ז/שבט/תשע"ט</a:t>
+              <a:t>כ"ד/שבט/תשע"ט</a:t>
             </a:fld>
             <a:endParaRPr lang="he-IL"/>
           </a:p>
@@ -1977,7 +1983,7 @@
           <a:p>
             <a:fld id="{165B7021-42A5-46F1-9A14-1EDB131AF606}" type="datetimeFigureOut">
               <a:rPr lang="he-IL" smtClean="0"/>
-              <a:t>י"ז/שבט/תשע"ט</a:t>
+              <a:t>כ"ד/שבט/תשע"ט</a:t>
             </a:fld>
             <a:endParaRPr lang="he-IL"/>
           </a:p>
@@ -2817,7 +2823,7 @@
           <a:p>
             <a:fld id="{165B7021-42A5-46F1-9A14-1EDB131AF606}" type="datetimeFigureOut">
               <a:rPr lang="he-IL" smtClean="0"/>
-              <a:t>י"ז/שבט/תשע"ט</a:t>
+              <a:t>כ"ד/שבט/תשע"ט</a:t>
             </a:fld>
             <a:endParaRPr lang="he-IL"/>
           </a:p>
@@ -2987,7 +2993,7 @@
           <a:p>
             <a:fld id="{165B7021-42A5-46F1-9A14-1EDB131AF606}" type="datetimeFigureOut">
               <a:rPr lang="he-IL" smtClean="0"/>
-              <a:t>י"ז/שבט/תשע"ט</a:t>
+              <a:t>כ"ד/שבט/תשע"ט</a:t>
             </a:fld>
             <a:endParaRPr lang="he-IL"/>
           </a:p>
@@ -3171,7 +3177,7 @@
           <a:p>
             <a:fld id="{165B7021-42A5-46F1-9A14-1EDB131AF606}" type="datetimeFigureOut">
               <a:rPr lang="he-IL" smtClean="0"/>
-              <a:t>י"ז/שבט/תשע"ט</a:t>
+              <a:t>כ"ד/שבט/תשע"ט</a:t>
             </a:fld>
             <a:endParaRPr lang="he-IL"/>
           </a:p>
@@ -3341,7 +3347,7 @@
           <a:p>
             <a:fld id="{165B7021-42A5-46F1-9A14-1EDB131AF606}" type="datetimeFigureOut">
               <a:rPr lang="he-IL" smtClean="0"/>
-              <a:t>י"ז/שבט/תשע"ט</a:t>
+              <a:t>כ"ד/שבט/תשע"ט</a:t>
             </a:fld>
             <a:endParaRPr lang="he-IL"/>
           </a:p>
@@ -3589,7 +3595,7 @@
           <a:p>
             <a:fld id="{165B7021-42A5-46F1-9A14-1EDB131AF606}" type="datetimeFigureOut">
               <a:rPr lang="he-IL" smtClean="0"/>
-              <a:t>י"ז/שבט/תשע"ט</a:t>
+              <a:t>כ"ד/שבט/תשע"ט</a:t>
             </a:fld>
             <a:endParaRPr lang="he-IL"/>
           </a:p>
@@ -3826,7 +3832,7 @@
           <a:p>
             <a:fld id="{165B7021-42A5-46F1-9A14-1EDB131AF606}" type="datetimeFigureOut">
               <a:rPr lang="he-IL" smtClean="0"/>
-              <a:t>י"ז/שבט/תשע"ט</a:t>
+              <a:t>כ"ד/שבט/תשע"ט</a:t>
             </a:fld>
             <a:endParaRPr lang="he-IL"/>
           </a:p>
@@ -4199,7 +4205,7 @@
           <a:p>
             <a:fld id="{165B7021-42A5-46F1-9A14-1EDB131AF606}" type="datetimeFigureOut">
               <a:rPr lang="he-IL" smtClean="0"/>
-              <a:t>י"ז/שבט/תשע"ט</a:t>
+              <a:t>כ"ד/שבט/תשע"ט</a:t>
             </a:fld>
             <a:endParaRPr lang="he-IL"/>
           </a:p>
@@ -4317,7 +4323,7 @@
           <a:p>
             <a:fld id="{165B7021-42A5-46F1-9A14-1EDB131AF606}" type="datetimeFigureOut">
               <a:rPr lang="he-IL" smtClean="0"/>
-              <a:t>י"ז/שבט/תשע"ט</a:t>
+              <a:t>כ"ד/שבט/תשע"ט</a:t>
             </a:fld>
             <a:endParaRPr lang="he-IL"/>
           </a:p>
@@ -4412,7 +4418,7 @@
           <a:p>
             <a:fld id="{165B7021-42A5-46F1-9A14-1EDB131AF606}" type="datetimeFigureOut">
               <a:rPr lang="he-IL" smtClean="0"/>
-              <a:t>י"ז/שבט/תשע"ט</a:t>
+              <a:t>כ"ד/שבט/תשע"ט</a:t>
             </a:fld>
             <a:endParaRPr lang="he-IL"/>
           </a:p>
@@ -4663,7 +4669,7 @@
           <a:p>
             <a:fld id="{165B7021-42A5-46F1-9A14-1EDB131AF606}" type="datetimeFigureOut">
               <a:rPr lang="he-IL" smtClean="0"/>
-              <a:t>י"ז/שבט/תשע"ט</a:t>
+              <a:t>כ"ד/שבט/תשע"ט</a:t>
             </a:fld>
             <a:endParaRPr lang="he-IL"/>
           </a:p>
@@ -4950,7 +4956,7 @@
           <a:p>
             <a:fld id="{165B7021-42A5-46F1-9A14-1EDB131AF606}" type="datetimeFigureOut">
               <a:rPr lang="he-IL" smtClean="0"/>
-              <a:t>י"ז/שבט/תשע"ט</a:t>
+              <a:t>כ"ד/שבט/תשע"ט</a:t>
             </a:fld>
             <a:endParaRPr lang="he-IL"/>
           </a:p>
@@ -5163,7 +5169,7 @@
           <a:p>
             <a:fld id="{165B7021-42A5-46F1-9A14-1EDB131AF606}" type="datetimeFigureOut">
               <a:rPr lang="he-IL" smtClean="0"/>
-              <a:t>י"ז/שבט/תשע"ט</a:t>
+              <a:t>כ"ד/שבט/תשע"ט</a:t>
             </a:fld>
             <a:endParaRPr lang="he-IL"/>
           </a:p>
@@ -7292,6 +7298,557 @@
 </p:sld>
 </file>
 
+<file path=ppt/slides/slide13.xml><?xml version="1.0" encoding="utf-8"?>
+<p:sld xmlns:a="http://schemas.openxmlformats.org/drawingml/2006/main" xmlns:r="http://schemas.openxmlformats.org/officeDocument/2006/relationships" xmlns:p="http://schemas.openxmlformats.org/presentationml/2006/main">
+  <p:cSld>
+    <p:bg>
+      <p:bgPr>
+        <a:blipFill rotWithShape="1">
+          <a:blip r:embed="rId2">
+            <a:duotone>
+              <a:schemeClr val="bg2">
+                <a:shade val="18000"/>
+                <a:satMod val="160000"/>
+                <a:lumMod val="28000"/>
+              </a:schemeClr>
+              <a:schemeClr val="bg2">
+                <a:tint val="95000"/>
+                <a:satMod val="160000"/>
+                <a:lumMod val="116000"/>
+              </a:schemeClr>
+            </a:duotone>
+            <a:extLst/>
+          </a:blip>
+          <a:stretch/>
+        </a:blipFill>
+        <a:effectLst/>
+      </p:bgPr>
+    </p:bg>
+    <p:spTree>
+      <p:nvGrpSpPr>
+        <p:cNvPr id="1" name=""/>
+        <p:cNvGrpSpPr/>
+        <p:nvPr/>
+      </p:nvGrpSpPr>
+      <p:grpSpPr>
+        <a:xfrm>
+          <a:off x="0" y="0"/>
+          <a:ext cx="0" cy="0"/>
+          <a:chOff x="0" y="0"/>
+          <a:chExt cx="0" cy="0"/>
+        </a:xfrm>
+      </p:grpSpPr>
+      <p:pic>
+        <p:nvPicPr>
+          <p:cNvPr id="9" name="תמונה 5">
+            <a:hlinkClick r:id="rId3"/>
+            <a:extLst>
+              <a:ext uri="{FF2B5EF4-FFF2-40B4-BE49-F238E27FC236}">
+                <a16:creationId xmlns:a16="http://schemas.microsoft.com/office/drawing/2014/main" id="{CC8F14ED-4797-440B-820C-F7A9A05437C2}"/>
+              </a:ext>
+            </a:extLst>
+          </p:cNvPr>
+          <p:cNvPicPr>
+            <a:picLocks noGrp="1" noChangeAspect="1"/>
+          </p:cNvPicPr>
+          <p:nvPr>
+            <p:ph idx="1"/>
+          </p:nvPr>
+        </p:nvPicPr>
+        <p:blipFill rotWithShape="1">
+          <a:blip r:embed="rId4"/>
+          <a:srcRect t="12273" r="1211" b="5603"/>
+          <a:stretch/>
+        </p:blipFill>
+        <p:spPr>
+          <a:xfrm>
+            <a:off x="913795" y="1026250"/>
+            <a:ext cx="10276720" cy="4805498"/>
+          </a:xfrm>
+          <a:prstGeom prst="rect">
+            <a:avLst/>
+          </a:prstGeom>
+          <a:ln w="127000" cap="flat">
+            <a:solidFill>
+              <a:srgbClr val="FFFFFF"/>
+            </a:solidFill>
+            <a:miter lim="800000"/>
+          </a:ln>
+          <a:effectLst>
+            <a:outerShdw blurRad="54991" dist="17780" dir="5400000" algn="ctr" rotWithShape="0">
+              <a:schemeClr val="bg1">
+                <a:alpha val="40000"/>
+              </a:schemeClr>
+            </a:outerShdw>
+          </a:effectLst>
+          <a:scene3d>
+            <a:camera prst="orthographicFront"/>
+            <a:lightRig rig="twoPt" dir="t">
+              <a:rot lat="0" lon="0" rev="7200000"/>
+            </a:lightRig>
+          </a:scene3d>
+          <a:sp3d>
+            <a:bevelT w="25400" h="19050"/>
+          </a:sp3d>
+        </p:spPr>
+      </p:pic>
+      <p:sp>
+        <p:nvSpPr>
+          <p:cNvPr id="12" name="Footer Placeholder 8">
+            <a:extLst>
+              <a:ext uri="{FF2B5EF4-FFF2-40B4-BE49-F238E27FC236}">
+                <a16:creationId xmlns:a16="http://schemas.microsoft.com/office/drawing/2014/main" id="{20687CB0-93F8-4C7B-9716-17FCDE7E9BA9}"/>
+              </a:ext>
+              <a:ext uri="{C183D7F6-B498-43B3-948B-1728B52AA6E4}">
+                <adec:decorative xmlns:adec="http://schemas.microsoft.com/office/drawing/2017/decorative" val="1"/>
+              </a:ext>
+            </a:extLst>
+          </p:cNvPr>
+          <p:cNvSpPr txBox="1">
+            <a:spLocks noGrp="1" noRot="1" noChangeAspect="1" noMove="1" noResize="1" noEditPoints="1" noAdjustHandles="1" noChangeArrowheads="1" noChangeShapeType="1" noTextEdit="1"/>
+          </p:cNvSpPr>
+          <p:nvPr>
+            <p:extLst>
+              <p:ext uri="{386F3935-93C4-4BCD-93E2-E3B085C9AB24}">
+                <p16:designElem xmlns:p16="http://schemas.microsoft.com/office/powerpoint/2015/main" val="1"/>
+              </p:ext>
+            </p:extLst>
+          </p:nvPr>
+        </p:nvSpPr>
+        <p:spPr>
+          <a:xfrm>
+            <a:off x="913794" y="6442678"/>
+            <a:ext cx="6672865" cy="365125"/>
+          </a:xfrm>
+          <a:prstGeom prst="rect">
+            <a:avLst/>
+          </a:prstGeom>
+        </p:spPr>
+        <p:txBody>
+          <a:bodyPr vert="horz" lIns="91440" tIns="45720" rIns="91440" bIns="45720" rtlCol="0" anchor="ctr"/>
+          <a:lstStyle>
+            <a:defPPr>
+              <a:defRPr lang="en-US"/>
+            </a:defPPr>
+            <a:lvl1pPr marL="0" algn="l" defTabSz="457200" rtl="0" eaLnBrk="1" latinLnBrk="0" hangingPunct="1">
+              <a:defRPr sz="1000" kern="1200">
+                <a:solidFill>
+                  <a:schemeClr val="tx1">
+                    <a:tint val="75000"/>
+                  </a:schemeClr>
+                </a:solidFill>
+                <a:latin typeface="+mn-lt"/>
+                <a:ea typeface="+mn-ea"/>
+                <a:cs typeface="+mn-cs"/>
+              </a:defRPr>
+            </a:lvl1pPr>
+            <a:lvl2pPr marL="457200" algn="l" defTabSz="457200" rtl="0" eaLnBrk="1" latinLnBrk="0" hangingPunct="1">
+              <a:defRPr sz="1800" kern="1200">
+                <a:solidFill>
+                  <a:schemeClr val="tx1"/>
+                </a:solidFill>
+                <a:latin typeface="+mn-lt"/>
+                <a:ea typeface="+mn-ea"/>
+                <a:cs typeface="+mn-cs"/>
+              </a:defRPr>
+            </a:lvl2pPr>
+            <a:lvl3pPr marL="914400" algn="l" defTabSz="457200" rtl="0" eaLnBrk="1" latinLnBrk="0" hangingPunct="1">
+              <a:defRPr sz="1800" kern="1200">
+                <a:solidFill>
+                  <a:schemeClr val="tx1"/>
+                </a:solidFill>
+                <a:latin typeface="+mn-lt"/>
+                <a:ea typeface="+mn-ea"/>
+                <a:cs typeface="+mn-cs"/>
+              </a:defRPr>
+            </a:lvl3pPr>
+            <a:lvl4pPr marL="1371600" algn="l" defTabSz="457200" rtl="0" eaLnBrk="1" latinLnBrk="0" hangingPunct="1">
+              <a:defRPr sz="1800" kern="1200">
+                <a:solidFill>
+                  <a:schemeClr val="tx1"/>
+                </a:solidFill>
+                <a:latin typeface="+mn-lt"/>
+                <a:ea typeface="+mn-ea"/>
+                <a:cs typeface="+mn-cs"/>
+              </a:defRPr>
+            </a:lvl4pPr>
+            <a:lvl5pPr marL="1828800" algn="l" defTabSz="457200" rtl="0" eaLnBrk="1" latinLnBrk="0" hangingPunct="1">
+              <a:defRPr sz="1800" kern="1200">
+                <a:solidFill>
+                  <a:schemeClr val="tx1"/>
+                </a:solidFill>
+                <a:latin typeface="+mn-lt"/>
+                <a:ea typeface="+mn-ea"/>
+                <a:cs typeface="+mn-cs"/>
+              </a:defRPr>
+            </a:lvl5pPr>
+            <a:lvl6pPr marL="2286000" algn="l" defTabSz="457200" rtl="0" eaLnBrk="1" latinLnBrk="0" hangingPunct="1">
+              <a:defRPr sz="1800" kern="1200">
+                <a:solidFill>
+                  <a:schemeClr val="tx1"/>
+                </a:solidFill>
+                <a:latin typeface="+mn-lt"/>
+                <a:ea typeface="+mn-ea"/>
+                <a:cs typeface="+mn-cs"/>
+              </a:defRPr>
+            </a:lvl6pPr>
+            <a:lvl7pPr marL="2743200" algn="l" defTabSz="457200" rtl="0" eaLnBrk="1" latinLnBrk="0" hangingPunct="1">
+              <a:defRPr sz="1800" kern="1200">
+                <a:solidFill>
+                  <a:schemeClr val="tx1"/>
+                </a:solidFill>
+                <a:latin typeface="+mn-lt"/>
+                <a:ea typeface="+mn-ea"/>
+                <a:cs typeface="+mn-cs"/>
+              </a:defRPr>
+            </a:lvl7pPr>
+            <a:lvl8pPr marL="3200400" algn="l" defTabSz="457200" rtl="0" eaLnBrk="1" latinLnBrk="0" hangingPunct="1">
+              <a:defRPr sz="1800" kern="1200">
+                <a:solidFill>
+                  <a:schemeClr val="tx1"/>
+                </a:solidFill>
+                <a:latin typeface="+mn-lt"/>
+                <a:ea typeface="+mn-ea"/>
+                <a:cs typeface="+mn-cs"/>
+              </a:defRPr>
+            </a:lvl8pPr>
+            <a:lvl9pPr marL="3657600" algn="l" defTabSz="457200" rtl="0" eaLnBrk="1" latinLnBrk="0" hangingPunct="1">
+              <a:defRPr sz="1800" kern="1200">
+                <a:solidFill>
+                  <a:schemeClr val="tx1"/>
+                </a:solidFill>
+                <a:latin typeface="+mn-lt"/>
+                <a:ea typeface="+mn-ea"/>
+                <a:cs typeface="+mn-cs"/>
+              </a:defRPr>
+            </a:lvl9pPr>
+          </a:lstStyle>
+          <a:p>
+            <a:pPr>
+              <a:spcAft>
+                <a:spcPts val="600"/>
+              </a:spcAft>
+            </a:pPr>
+            <a:r>
+              <a:rPr lang="en-US"/>
+              <a:t>Sample Footer Text</a:t>
+            </a:r>
+          </a:p>
+        </p:txBody>
+      </p:sp>
+      <p:sp>
+        <p:nvSpPr>
+          <p:cNvPr id="14" name="Date Placeholder 7">
+            <a:extLst>
+              <a:ext uri="{FF2B5EF4-FFF2-40B4-BE49-F238E27FC236}">
+                <a16:creationId xmlns:a16="http://schemas.microsoft.com/office/drawing/2014/main" id="{45EE62FC-8C5B-4090-848B-D07201175702}"/>
+              </a:ext>
+              <a:ext uri="{C183D7F6-B498-43B3-948B-1728B52AA6E4}">
+                <adec:decorative xmlns:adec="http://schemas.microsoft.com/office/drawing/2017/decorative" val="1"/>
+              </a:ext>
+            </a:extLst>
+          </p:cNvPr>
+          <p:cNvSpPr txBox="1">
+            <a:spLocks noGrp="1" noRot="1" noChangeAspect="1" noMove="1" noResize="1" noEditPoints="1" noAdjustHandles="1" noChangeArrowheads="1" noChangeShapeType="1" noTextEdit="1"/>
+          </p:cNvSpPr>
+          <p:nvPr>
+            <p:extLst>
+              <p:ext uri="{386F3935-93C4-4BCD-93E2-E3B085C9AB24}">
+                <p16:designElem xmlns:p16="http://schemas.microsoft.com/office/powerpoint/2015/main" val="1"/>
+              </p:ext>
+            </p:extLst>
+          </p:nvPr>
+        </p:nvSpPr>
+        <p:spPr>
+          <a:xfrm>
+            <a:off x="7678736" y="6442678"/>
+            <a:ext cx="2743200" cy="365125"/>
+          </a:xfrm>
+          <a:prstGeom prst="rect">
+            <a:avLst/>
+          </a:prstGeom>
+        </p:spPr>
+        <p:txBody>
+          <a:bodyPr vert="horz" lIns="91440" tIns="45720" rIns="91440" bIns="45720" rtlCol="0" anchor="ctr"/>
+          <a:lstStyle>
+            <a:defPPr>
+              <a:defRPr lang="en-US"/>
+            </a:defPPr>
+            <a:lvl1pPr marL="0" algn="r" defTabSz="457200" rtl="0" eaLnBrk="1" latinLnBrk="0" hangingPunct="1">
+              <a:defRPr sz="1000" kern="1200">
+                <a:solidFill>
+                  <a:schemeClr val="tx1">
+                    <a:tint val="75000"/>
+                  </a:schemeClr>
+                </a:solidFill>
+                <a:latin typeface="+mn-lt"/>
+                <a:ea typeface="+mn-ea"/>
+                <a:cs typeface="+mn-cs"/>
+              </a:defRPr>
+            </a:lvl1pPr>
+            <a:lvl2pPr marL="457200" algn="l" defTabSz="457200" rtl="0" eaLnBrk="1" latinLnBrk="0" hangingPunct="1">
+              <a:defRPr sz="1800" kern="1200">
+                <a:solidFill>
+                  <a:schemeClr val="tx1"/>
+                </a:solidFill>
+                <a:latin typeface="+mn-lt"/>
+                <a:ea typeface="+mn-ea"/>
+                <a:cs typeface="+mn-cs"/>
+              </a:defRPr>
+            </a:lvl2pPr>
+            <a:lvl3pPr marL="914400" algn="l" defTabSz="457200" rtl="0" eaLnBrk="1" latinLnBrk="0" hangingPunct="1">
+              <a:defRPr sz="1800" kern="1200">
+                <a:solidFill>
+                  <a:schemeClr val="tx1"/>
+                </a:solidFill>
+                <a:latin typeface="+mn-lt"/>
+                <a:ea typeface="+mn-ea"/>
+                <a:cs typeface="+mn-cs"/>
+              </a:defRPr>
+            </a:lvl3pPr>
+            <a:lvl4pPr marL="1371600" algn="l" defTabSz="457200" rtl="0" eaLnBrk="1" latinLnBrk="0" hangingPunct="1">
+              <a:defRPr sz="1800" kern="1200">
+                <a:solidFill>
+                  <a:schemeClr val="tx1"/>
+                </a:solidFill>
+                <a:latin typeface="+mn-lt"/>
+                <a:ea typeface="+mn-ea"/>
+                <a:cs typeface="+mn-cs"/>
+              </a:defRPr>
+            </a:lvl4pPr>
+            <a:lvl5pPr marL="1828800" algn="l" defTabSz="457200" rtl="0" eaLnBrk="1" latinLnBrk="0" hangingPunct="1">
+              <a:defRPr sz="1800" kern="1200">
+                <a:solidFill>
+                  <a:schemeClr val="tx1"/>
+                </a:solidFill>
+                <a:latin typeface="+mn-lt"/>
+                <a:ea typeface="+mn-ea"/>
+                <a:cs typeface="+mn-cs"/>
+              </a:defRPr>
+            </a:lvl5pPr>
+            <a:lvl6pPr marL="2286000" algn="l" defTabSz="457200" rtl="0" eaLnBrk="1" latinLnBrk="0" hangingPunct="1">
+              <a:defRPr sz="1800" kern="1200">
+                <a:solidFill>
+                  <a:schemeClr val="tx1"/>
+                </a:solidFill>
+                <a:latin typeface="+mn-lt"/>
+                <a:ea typeface="+mn-ea"/>
+                <a:cs typeface="+mn-cs"/>
+              </a:defRPr>
+            </a:lvl6pPr>
+            <a:lvl7pPr marL="2743200" algn="l" defTabSz="457200" rtl="0" eaLnBrk="1" latinLnBrk="0" hangingPunct="1">
+              <a:defRPr sz="1800" kern="1200">
+                <a:solidFill>
+                  <a:schemeClr val="tx1"/>
+                </a:solidFill>
+                <a:latin typeface="+mn-lt"/>
+                <a:ea typeface="+mn-ea"/>
+                <a:cs typeface="+mn-cs"/>
+              </a:defRPr>
+            </a:lvl7pPr>
+            <a:lvl8pPr marL="3200400" algn="l" defTabSz="457200" rtl="0" eaLnBrk="1" latinLnBrk="0" hangingPunct="1">
+              <a:defRPr sz="1800" kern="1200">
+                <a:solidFill>
+                  <a:schemeClr val="tx1"/>
+                </a:solidFill>
+                <a:latin typeface="+mn-lt"/>
+                <a:ea typeface="+mn-ea"/>
+                <a:cs typeface="+mn-cs"/>
+              </a:defRPr>
+            </a:lvl8pPr>
+            <a:lvl9pPr marL="3657600" algn="l" defTabSz="457200" rtl="0" eaLnBrk="1" latinLnBrk="0" hangingPunct="1">
+              <a:defRPr sz="1800" kern="1200">
+                <a:solidFill>
+                  <a:schemeClr val="tx1"/>
+                </a:solidFill>
+                <a:latin typeface="+mn-lt"/>
+                <a:ea typeface="+mn-ea"/>
+                <a:cs typeface="+mn-cs"/>
+              </a:defRPr>
+            </a:lvl9pPr>
+          </a:lstStyle>
+          <a:p>
+            <a:pPr>
+              <a:spcAft>
+                <a:spcPts val="600"/>
+              </a:spcAft>
+            </a:pPr>
+            <a:fld id="{C4834CBC-FB27-4E65-8FA7-66FC071C097F}" type="datetime1">
+              <a:rPr lang="en-US" smtClean="0"/>
+              <a:pPr>
+                <a:spcAft>
+                  <a:spcPts val="600"/>
+                </a:spcAft>
+              </a:pPr>
+              <a:t>1/30/2019</a:t>
+            </a:fld>
+            <a:endParaRPr lang="en-US"/>
+          </a:p>
+        </p:txBody>
+      </p:sp>
+      <p:sp>
+        <p:nvSpPr>
+          <p:cNvPr id="16" name="Slide Number Placeholder 9">
+            <a:extLst>
+              <a:ext uri="{FF2B5EF4-FFF2-40B4-BE49-F238E27FC236}">
+                <a16:creationId xmlns:a16="http://schemas.microsoft.com/office/drawing/2014/main" id="{22DA7BED-7B14-455C-AD9E-D63446068326}"/>
+              </a:ext>
+              <a:ext uri="{C183D7F6-B498-43B3-948B-1728B52AA6E4}">
+                <adec:decorative xmlns:adec="http://schemas.microsoft.com/office/drawing/2017/decorative" val="1"/>
+              </a:ext>
+            </a:extLst>
+          </p:cNvPr>
+          <p:cNvSpPr txBox="1">
+            <a:spLocks noGrp="1" noRot="1" noChangeAspect="1" noMove="1" noResize="1" noEditPoints="1" noAdjustHandles="1" noChangeArrowheads="1" noChangeShapeType="1" noTextEdit="1"/>
+          </p:cNvSpPr>
+          <p:nvPr>
+            <p:extLst>
+              <p:ext uri="{386F3935-93C4-4BCD-93E2-E3B085C9AB24}">
+                <p16:designElem xmlns:p16="http://schemas.microsoft.com/office/powerpoint/2015/main" val="1"/>
+              </p:ext>
+            </p:extLst>
+          </p:nvPr>
+        </p:nvSpPr>
+        <p:spPr>
+          <a:xfrm>
+            <a:off x="10514011" y="6442678"/>
+            <a:ext cx="753545" cy="365125"/>
+          </a:xfrm>
+          <a:prstGeom prst="rect">
+            <a:avLst/>
+          </a:prstGeom>
+        </p:spPr>
+        <p:txBody>
+          <a:bodyPr vert="horz" lIns="91440" tIns="45720" rIns="91440" bIns="45720" rtlCol="0" anchor="ctr"/>
+          <a:lstStyle>
+            <a:defPPr>
+              <a:defRPr lang="en-US"/>
+            </a:defPPr>
+            <a:lvl1pPr marL="0" algn="r" defTabSz="457200" rtl="0" eaLnBrk="1" latinLnBrk="0" hangingPunct="1">
+              <a:defRPr sz="1000" kern="1200">
+                <a:solidFill>
+                  <a:schemeClr val="tx1">
+                    <a:tint val="75000"/>
+                  </a:schemeClr>
+                </a:solidFill>
+                <a:latin typeface="+mn-lt"/>
+                <a:ea typeface="+mn-ea"/>
+                <a:cs typeface="+mn-cs"/>
+              </a:defRPr>
+            </a:lvl1pPr>
+            <a:lvl2pPr marL="457200" algn="l" defTabSz="457200" rtl="0" eaLnBrk="1" latinLnBrk="0" hangingPunct="1">
+              <a:defRPr sz="1800" kern="1200">
+                <a:solidFill>
+                  <a:schemeClr val="tx1"/>
+                </a:solidFill>
+                <a:latin typeface="+mn-lt"/>
+                <a:ea typeface="+mn-ea"/>
+                <a:cs typeface="+mn-cs"/>
+              </a:defRPr>
+            </a:lvl2pPr>
+            <a:lvl3pPr marL="914400" algn="l" defTabSz="457200" rtl="0" eaLnBrk="1" latinLnBrk="0" hangingPunct="1">
+              <a:defRPr sz="1800" kern="1200">
+                <a:solidFill>
+                  <a:schemeClr val="tx1"/>
+                </a:solidFill>
+                <a:latin typeface="+mn-lt"/>
+                <a:ea typeface="+mn-ea"/>
+                <a:cs typeface="+mn-cs"/>
+              </a:defRPr>
+            </a:lvl3pPr>
+            <a:lvl4pPr marL="1371600" algn="l" defTabSz="457200" rtl="0" eaLnBrk="1" latinLnBrk="0" hangingPunct="1">
+              <a:defRPr sz="1800" kern="1200">
+                <a:solidFill>
+                  <a:schemeClr val="tx1"/>
+                </a:solidFill>
+                <a:latin typeface="+mn-lt"/>
+                <a:ea typeface="+mn-ea"/>
+                <a:cs typeface="+mn-cs"/>
+              </a:defRPr>
+            </a:lvl4pPr>
+            <a:lvl5pPr marL="1828800" algn="l" defTabSz="457200" rtl="0" eaLnBrk="1" latinLnBrk="0" hangingPunct="1">
+              <a:defRPr sz="1800" kern="1200">
+                <a:solidFill>
+                  <a:schemeClr val="tx1"/>
+                </a:solidFill>
+                <a:latin typeface="+mn-lt"/>
+                <a:ea typeface="+mn-ea"/>
+                <a:cs typeface="+mn-cs"/>
+              </a:defRPr>
+            </a:lvl5pPr>
+            <a:lvl6pPr marL="2286000" algn="l" defTabSz="457200" rtl="0" eaLnBrk="1" latinLnBrk="0" hangingPunct="1">
+              <a:defRPr sz="1800" kern="1200">
+                <a:solidFill>
+                  <a:schemeClr val="tx1"/>
+                </a:solidFill>
+                <a:latin typeface="+mn-lt"/>
+                <a:ea typeface="+mn-ea"/>
+                <a:cs typeface="+mn-cs"/>
+              </a:defRPr>
+            </a:lvl6pPr>
+            <a:lvl7pPr marL="2743200" algn="l" defTabSz="457200" rtl="0" eaLnBrk="1" latinLnBrk="0" hangingPunct="1">
+              <a:defRPr sz="1800" kern="1200">
+                <a:solidFill>
+                  <a:schemeClr val="tx1"/>
+                </a:solidFill>
+                <a:latin typeface="+mn-lt"/>
+                <a:ea typeface="+mn-ea"/>
+                <a:cs typeface="+mn-cs"/>
+              </a:defRPr>
+            </a:lvl7pPr>
+            <a:lvl8pPr marL="3200400" algn="l" defTabSz="457200" rtl="0" eaLnBrk="1" latinLnBrk="0" hangingPunct="1">
+              <a:defRPr sz="1800" kern="1200">
+                <a:solidFill>
+                  <a:schemeClr val="tx1"/>
+                </a:solidFill>
+                <a:latin typeface="+mn-lt"/>
+                <a:ea typeface="+mn-ea"/>
+                <a:cs typeface="+mn-cs"/>
+              </a:defRPr>
+            </a:lvl8pPr>
+            <a:lvl9pPr marL="3657600" algn="l" defTabSz="457200" rtl="0" eaLnBrk="1" latinLnBrk="0" hangingPunct="1">
+              <a:defRPr sz="1800" kern="1200">
+                <a:solidFill>
+                  <a:schemeClr val="tx1"/>
+                </a:solidFill>
+                <a:latin typeface="+mn-lt"/>
+                <a:ea typeface="+mn-ea"/>
+                <a:cs typeface="+mn-cs"/>
+              </a:defRPr>
+            </a:lvl9pPr>
+          </a:lstStyle>
+          <a:p>
+            <a:pPr>
+              <a:spcAft>
+                <a:spcPts val="600"/>
+              </a:spcAft>
+            </a:pPr>
+            <a:fld id="{3E59737B-AF67-42EE-B20D-05656D79239C}" type="slidenum">
+              <a:rPr lang="en-US" smtClean="0"/>
+              <a:pPr>
+                <a:spcAft>
+                  <a:spcPts val="600"/>
+                </a:spcAft>
+              </a:pPr>
+              <a:t>2</a:t>
+            </a:fld>
+            <a:endParaRPr lang="en-US"/>
+          </a:p>
+        </p:txBody>
+      </p:sp>
+    </p:spTree>
+    <p:extLst>
+      <p:ext uri="{BB962C8B-B14F-4D97-AF65-F5344CB8AC3E}">
+        <p14:creationId xmlns:p14="http://schemas.microsoft.com/office/powerpoint/2010/main" val="12677836"/>
+      </p:ext>
+    </p:extLst>
+  </p:cSld>
+  <p:clrMapOvr>
+    <a:masterClrMapping/>
+  </p:clrMapOvr>
+</p:sld>
+</file>
+
 <file path=ppt/slides/slide2.xml><?xml version="1.0" encoding="utf-8"?>
 <p:sld xmlns:a="http://schemas.openxmlformats.org/drawingml/2006/main" xmlns:r="http://schemas.openxmlformats.org/officeDocument/2006/relationships" xmlns:p="http://schemas.openxmlformats.org/presentationml/2006/main">
   <p:cSld>

--- a/learingMaterial/SPA/React/basics/react.pptx
+++ b/learingMaterial/SPA/React/basics/react.pptx
@@ -18,23 +18,24 @@
     <p:sldId id="263" r:id="rId12"/>
     <p:sldId id="264" r:id="rId13"/>
     <p:sldId id="268" r:id="rId14"/>
+    <p:sldId id="269" r:id="rId15"/>
   </p:sldIdLst>
   <p:sldSz cx="12192000" cy="6858000"/>
   <p:notesSz cx="6858000" cy="9144000"/>
   <p:embeddedFontLst>
     <p:embeddedFont>
       <p:font typeface="Bookman Old Style" panose="02050604050505020204" pitchFamily="18" charset="0"/>
-      <p:regular r:id="rId15"/>
-      <p:bold r:id="rId16"/>
-      <p:italic r:id="rId17"/>
-      <p:boldItalic r:id="rId18"/>
+      <p:regular r:id="rId16"/>
+      <p:bold r:id="rId17"/>
+      <p:italic r:id="rId18"/>
+      <p:boldItalic r:id="rId19"/>
     </p:embeddedFont>
     <p:embeddedFont>
       <p:font typeface="Rockwell" panose="02060603020205020403" pitchFamily="18" charset="0"/>
-      <p:regular r:id="rId19"/>
-      <p:bold r:id="rId20"/>
-      <p:italic r:id="rId21"/>
-      <p:boldItalic r:id="rId22"/>
+      <p:regular r:id="rId20"/>
+      <p:bold r:id="rId21"/>
+      <p:italic r:id="rId22"/>
+      <p:boldItalic r:id="rId23"/>
     </p:embeddedFont>
   </p:embeddedFontLst>
   <p:defaultTextStyle>
@@ -7830,7 +7831,7 @@
                   <a:spcPts val="600"/>
                 </a:spcAft>
               </a:pPr>
-              <a:t>2</a:t>
+              <a:t>13</a:t>
             </a:fld>
             <a:endParaRPr lang="en-US"/>
           </a:p>
@@ -7840,6 +7841,101 @@
     <p:extLst>
       <p:ext uri="{BB962C8B-B14F-4D97-AF65-F5344CB8AC3E}">
         <p14:creationId xmlns:p14="http://schemas.microsoft.com/office/powerpoint/2010/main" val="12677836"/>
+      </p:ext>
+    </p:extLst>
+  </p:cSld>
+  <p:clrMapOvr>
+    <a:masterClrMapping/>
+  </p:clrMapOvr>
+</p:sld>
+</file>
+
+<file path=ppt/slides/slide14.xml><?xml version="1.0" encoding="utf-8"?>
+<p:sld xmlns:a="http://schemas.openxmlformats.org/drawingml/2006/main" xmlns:r="http://schemas.openxmlformats.org/officeDocument/2006/relationships" xmlns:p="http://schemas.openxmlformats.org/presentationml/2006/main">
+  <p:cSld>
+    <p:spTree>
+      <p:nvGrpSpPr>
+        <p:cNvPr id="1" name=""/>
+        <p:cNvGrpSpPr/>
+        <p:nvPr/>
+      </p:nvGrpSpPr>
+      <p:grpSpPr>
+        <a:xfrm>
+          <a:off x="0" y="0"/>
+          <a:ext cx="0" cy="0"/>
+          <a:chOff x="0" y="0"/>
+          <a:chExt cx="0" cy="0"/>
+        </a:xfrm>
+      </p:grpSpPr>
+      <p:sp>
+        <p:nvSpPr>
+          <p:cNvPr id="2" name="כותרת 1">
+            <a:extLst>
+              <a:ext uri="{FF2B5EF4-FFF2-40B4-BE49-F238E27FC236}">
+                <a16:creationId xmlns:a16="http://schemas.microsoft.com/office/drawing/2014/main" id="{8BA41BFF-5870-4F8C-8A59-3713DBAD7ACC}"/>
+              </a:ext>
+            </a:extLst>
+          </p:cNvPr>
+          <p:cNvSpPr>
+            <a:spLocks noGrp="1"/>
+          </p:cNvSpPr>
+          <p:nvPr>
+            <p:ph type="title"/>
+          </p:nvPr>
+        </p:nvSpPr>
+        <p:spPr/>
+        <p:txBody>
+          <a:bodyPr/>
+          <a:lstStyle/>
+          <a:p>
+            <a:r>
+              <a:rPr lang="en-US" dirty="0"/>
+              <a:t>React lifecycles</a:t>
+            </a:r>
+            <a:endParaRPr lang="he-IL" dirty="0"/>
+          </a:p>
+        </p:txBody>
+      </p:sp>
+      <p:sp>
+        <p:nvSpPr>
+          <p:cNvPr id="3" name="מציין מיקום תוכן 2">
+            <a:extLst>
+              <a:ext uri="{FF2B5EF4-FFF2-40B4-BE49-F238E27FC236}">
+                <a16:creationId xmlns:a16="http://schemas.microsoft.com/office/drawing/2014/main" id="{EF40CF54-2C89-48E8-A79E-31A5F5379D8A}"/>
+              </a:ext>
+            </a:extLst>
+          </p:cNvPr>
+          <p:cNvSpPr>
+            <a:spLocks noGrp="1"/>
+          </p:cNvSpPr>
+          <p:nvPr>
+            <p:ph idx="1"/>
+          </p:nvPr>
+        </p:nvSpPr>
+        <p:spPr/>
+        <p:txBody>
+          <a:bodyPr/>
+          <a:lstStyle/>
+          <a:p>
+            <a:pPr algn="l" rtl="0"/>
+            <a:r>
+              <a:rPr lang="en-US" dirty="0">
+                <a:hlinkClick r:id="rId2"/>
+              </a:rPr>
+              <a:t>Sharif</a:t>
+            </a:r>
+            <a:r>
+              <a:rPr lang="en-US" dirty="0"/>
+              <a:t>: advance explanation</a:t>
+            </a:r>
+            <a:endParaRPr lang="he-IL" dirty="0"/>
+          </a:p>
+        </p:txBody>
+      </p:sp>
+    </p:spTree>
+    <p:extLst>
+      <p:ext uri="{BB962C8B-B14F-4D97-AF65-F5344CB8AC3E}">
+        <p14:creationId xmlns:p14="http://schemas.microsoft.com/office/powerpoint/2010/main" val="1728553171"/>
       </p:ext>
     </p:extLst>
   </p:cSld>
